--- a/PowerPoint_Generator/myapp/generated/generated_presentation.pptx
+++ b/PowerPoint_Generator/myapp/generated/generated_presentation.pptx
@@ -9,6 +9,7 @@
     <p:sldId id="259" r:id="rId16"/>
     <p:sldId id="260" r:id="rId17"/>
     <p:sldId id="261" r:id="rId18"/>
+    <p:sldId id="262" r:id="rId19"/>
   </p:sldIdLst>
   <p:sldSz cx="18288000" cy="10287000"/>
   <p:notesSz cx="6858000" cy="9144000"/>
@@ -3248,7 +3249,7 @@
                 </a:solidFill>
                 <a:latin typeface="Times New Roman"/>
               </a:rPr>
-              <a:t>juvenile justice act</a:t>
+              <a:t>Right to education</a:t>
             </a:r>
           </a:p>
         </p:txBody>
@@ -3314,7 +3315,7 @@
                 </a:solidFill>
                 <a:latin typeface="Times New Roman"/>
               </a:rPr>
-              <a:t>Overview of Juvenile Justice Act</a:t>
+              <a:t>Importance of Right to Education </a:t>
             </a:r>
           </a:p>
         </p:txBody>
@@ -3341,7 +3342,7 @@
                 </a:solidFill>
                 <a:latin typeface="Times New Roman"/>
               </a:rPr>
-              <a:t>- Background and purpose of the Juvenile Justice Act</a:t>
+              <a:t>Content: </a:t>
             </a:r>
           </a:p>
           <a:p>
@@ -3352,7 +3353,7 @@
                 </a:solidFill>
                 <a:latin typeface="Times New Roman"/>
               </a:rPr>
-              <a:t>- Key provisions of the Act</a:t>
+              <a:t>- Definition of Right to Education</a:t>
             </a:r>
           </a:p>
           <a:p>
@@ -3363,7 +3364,7 @@
                 </a:solidFill>
                 <a:latin typeface="Times New Roman"/>
               </a:rPr>
-              <a:t>- Age limit and eligibility criteria for juvenile offenders</a:t>
+              <a:t>- Global significance of ensuring education for all</a:t>
             </a:r>
           </a:p>
           <a:p>
@@ -3374,7 +3375,7 @@
                 </a:solidFill>
                 <a:latin typeface="Times New Roman"/>
               </a:rPr>
-              <a:t>- Objectives and approach of the Act</a:t>
+              <a:t>- Key principles and provisions of Right to Education</a:t>
             </a:r>
           </a:p>
           <a:p>
@@ -3385,7 +3386,18 @@
                 </a:solidFill>
                 <a:latin typeface="Times New Roman"/>
               </a:rPr>
-              <a:t>Keyword: Juvenile Justice</a:t>
+              <a:t>- Examples of countries implementing the Right to Education </a:t>
+            </a:r>
+          </a:p>
+          <a:p>
+            <a:r>
+              <a:rPr>
+                <a:solidFill>
+                  <a:srgbClr val="FFFFFF"/>
+                </a:solidFill>
+                <a:latin typeface="Times New Roman"/>
+              </a:rPr>
+              <a:t>Keyword: Importance, Right to Education</a:t>
             </a:r>
           </a:p>
         </p:txBody>
@@ -3430,7 +3442,7 @@
                 </a:solidFill>
                 <a:latin typeface="Times New Roman"/>
               </a:rPr>
-              <a:t>Rehabilitation and Punishment under the Juvenile Justice Act</a:t>
+              <a:t>Benefits of Right to Education </a:t>
             </a:r>
           </a:p>
         </p:txBody>
@@ -3457,7 +3469,7 @@
                 </a:solidFill>
                 <a:latin typeface="Times New Roman"/>
               </a:rPr>
-              <a:t>- Rehabilitation measures for juvenile offenders</a:t>
+              <a:t>Content: </a:t>
             </a:r>
           </a:p>
           <a:p>
@@ -3468,7 +3480,7 @@
                 </a:solidFill>
                 <a:latin typeface="Times New Roman"/>
               </a:rPr>
-              <a:t>- Counseling and guidance programs</a:t>
+              <a:t>- Access to quality education </a:t>
             </a:r>
           </a:p>
           <a:p>
@@ -3479,7 +3491,7 @@
                 </a:solidFill>
                 <a:latin typeface="Times New Roman"/>
               </a:rPr>
-              <a:t>- Vocational training and skill development</a:t>
+              <a:t>- Reduction of inequality and poverty</a:t>
             </a:r>
           </a:p>
           <a:p>
@@ -3490,7 +3502,7 @@
                 </a:solidFill>
                 <a:latin typeface="Times New Roman"/>
               </a:rPr>
-              <a:t>- Special homes and observation homes</a:t>
+              <a:t>- Empowerment of individuals and communities</a:t>
             </a:r>
           </a:p>
           <a:p>
@@ -3501,7 +3513,7 @@
                 </a:solidFill>
                 <a:latin typeface="Times New Roman"/>
               </a:rPr>
-              <a:t>- Punitive measures and consequences for serious offenses</a:t>
+              <a:t>- Enhancing economic growth and development</a:t>
             </a:r>
           </a:p>
           <a:p>
@@ -3512,7 +3524,7 @@
                 </a:solidFill>
                 <a:latin typeface="Times New Roman"/>
               </a:rPr>
-              <a:t>Keyword: Rehabilitation and Punishment</a:t>
+              <a:t>Keyword: Benefits, Right to Education</a:t>
             </a:r>
           </a:p>
         </p:txBody>
@@ -3526,6 +3538,133 @@
 </file>
 
 <file path=ppt/slides/slide6.xml><?xml version="1.0" encoding="utf-8"?>
+<p:sld xmlns:a="http://schemas.openxmlformats.org/drawingml/2006/main" xmlns:p="http://schemas.openxmlformats.org/presentationml/2006/main" xmlns:r="http://schemas.openxmlformats.org/officeDocument/2006/relationships">
+  <p:cSld>
+    <p:spTree>
+      <p:nvGrpSpPr>
+        <p:cNvPr id="1" name=""/>
+        <p:cNvGrpSpPr/>
+        <p:nvPr/>
+      </p:nvGrpSpPr>
+      <p:grpSpPr/>
+      <p:sp>
+        <p:nvSpPr>
+          <p:cNvPr id="2" name="Title 1"/>
+          <p:cNvSpPr>
+            <a:spLocks noGrp="1"/>
+          </p:cNvSpPr>
+          <p:nvPr>
+            <p:ph type="title"/>
+          </p:nvPr>
+        </p:nvSpPr>
+        <p:spPr/>
+        <p:txBody>
+          <a:bodyPr/>
+          <a:lstStyle/>
+          <a:p>
+            <a:r>
+              <a:rPr>
+                <a:solidFill>
+                  <a:srgbClr val="FFA500"/>
+                </a:solidFill>
+                <a:latin typeface="Times New Roman"/>
+              </a:rPr>
+              <a:t>Challenges and Solutions for Implementing the Right to Education </a:t>
+            </a:r>
+          </a:p>
+        </p:txBody>
+      </p:sp>
+      <p:sp>
+        <p:nvSpPr>
+          <p:cNvPr id="3" name="Content Placeholder 2"/>
+          <p:cNvSpPr>
+            <a:spLocks noGrp="1"/>
+          </p:cNvSpPr>
+          <p:nvPr>
+            <p:ph idx="1"/>
+          </p:nvPr>
+        </p:nvSpPr>
+        <p:spPr/>
+        <p:txBody>
+          <a:bodyPr/>
+          <a:lstStyle/>
+          <a:p>
+            <a:r>
+              <a:rPr>
+                <a:solidFill>
+                  <a:srgbClr val="FFFFFF"/>
+                </a:solidFill>
+                <a:latin typeface="Times New Roman"/>
+              </a:rPr>
+              <a:t>Content: </a:t>
+            </a:r>
+          </a:p>
+          <a:p>
+            <a:r>
+              <a:rPr>
+                <a:solidFill>
+                  <a:srgbClr val="FFFFFF"/>
+                </a:solidFill>
+                <a:latin typeface="Times New Roman"/>
+              </a:rPr>
+              <a:t>- Challenges in providing universal access to education </a:t>
+            </a:r>
+          </a:p>
+          <a:p>
+            <a:r>
+              <a:rPr>
+                <a:solidFill>
+                  <a:srgbClr val="FFFFFF"/>
+                </a:solidFill>
+                <a:latin typeface="Times New Roman"/>
+              </a:rPr>
+              <a:t>- Addressing issues of discrimination, gender inequality, and cultural barriers</a:t>
+            </a:r>
+          </a:p>
+          <a:p>
+            <a:r>
+              <a:rPr>
+                <a:solidFill>
+                  <a:srgbClr val="FFFFFF"/>
+                </a:solidFill>
+                <a:latin typeface="Times New Roman"/>
+              </a:rPr>
+              <a:t>- Solutions such as policy changes and community involvement</a:t>
+            </a:r>
+          </a:p>
+          <a:p>
+            <a:r>
+              <a:rPr>
+                <a:solidFill>
+                  <a:srgbClr val="FFFFFF"/>
+                </a:solidFill>
+                <a:latin typeface="Times New Roman"/>
+              </a:rPr>
+              <a:t>- Importance of international cooperation and funding</a:t>
+            </a:r>
+          </a:p>
+          <a:p>
+            <a:r>
+              <a:rPr>
+                <a:solidFill>
+                  <a:srgbClr val="FFFFFF"/>
+                </a:solidFill>
+                <a:latin typeface="Times New Roman"/>
+              </a:rPr>
+              <a:t>Keyword: Challenges, Solutions, Right to Education</a:t>
+            </a:r>
+          </a:p>
+        </p:txBody>
+      </p:sp>
+    </p:spTree>
+  </p:cSld>
+  <p:clrMapOvr>
+    <a:masterClrMapping/>
+  </p:clrMapOvr>
+</p:sld>
+</file>
+
+<file path=ppt/slides/slide7.xml><?xml version="1.0" encoding="utf-8"?>
 <p:sld xmlns:a="http://schemas.openxmlformats.org/drawingml/2006/main" xmlns:p="http://schemas.openxmlformats.org/presentationml/2006/main" xmlns:r="http://schemas.openxmlformats.org/officeDocument/2006/relationships">
   <p:cSld>
     <p:spTree>

--- a/PowerPoint_Generator/myapp/generated/generated_presentation.pptx
+++ b/PowerPoint_Generator/myapp/generated/generated_presentation.pptx
@@ -3248,7 +3248,7 @@
                 </a:solidFill>
                 <a:latin typeface="Times New Roman"/>
               </a:rPr>
-              <a:t>juvenile justice act</a:t>
+              <a:t>right to education</a:t>
             </a:r>
           </a:p>
         </p:txBody>
@@ -3269,7 +3269,7 @@
           <a:lstStyle/>
           <a:p>
             <a:r>
-              <a:t>Presented by KUSHAGRA GUPTA</a:t>
+              <a:t>Presented by kushagra</a:t>
             </a:r>
           </a:p>
         </p:txBody>
@@ -3314,7 +3314,7 @@
                 </a:solidFill>
                 <a:latin typeface="Times New Roman"/>
               </a:rPr>
-              <a:t>Overview of Juvenile Justice Act</a:t>
+              <a:t>Importance of Right to Education </a:t>
             </a:r>
           </a:p>
         </p:txBody>
@@ -3341,7 +3341,7 @@
                 </a:solidFill>
                 <a:latin typeface="Times New Roman"/>
               </a:rPr>
-              <a:t>- Background and purpose of the Juvenile Justice Act</a:t>
+              <a:t>Content: </a:t>
             </a:r>
           </a:p>
           <a:p>
@@ -3352,7 +3352,7 @@
                 </a:solidFill>
                 <a:latin typeface="Times New Roman"/>
               </a:rPr>
-              <a:t>- Key provisions of the Act</a:t>
+              <a:t>- Definition of right to education </a:t>
             </a:r>
           </a:p>
           <a:p>
@@ -3363,7 +3363,7 @@
                 </a:solidFill>
                 <a:latin typeface="Times New Roman"/>
               </a:rPr>
-              <a:t>- Age limit and eligibility criteria for juvenile offenders</a:t>
+              <a:t>- Access to education as a fundamental human right </a:t>
             </a:r>
           </a:p>
           <a:p>
@@ -3374,7 +3374,7 @@
                 </a:solidFill>
                 <a:latin typeface="Times New Roman"/>
               </a:rPr>
-              <a:t>- Objectives and approach of the Act</a:t>
+              <a:t>- Impact of education on individual development </a:t>
             </a:r>
           </a:p>
           <a:p>
@@ -3385,7 +3385,18 @@
                 </a:solidFill>
                 <a:latin typeface="Times New Roman"/>
               </a:rPr>
-              <a:t>Keyword: Juvenile Justice</a:t>
+              <a:t>- Role of education in promoting equality and reducing poverty </a:t>
+            </a:r>
+          </a:p>
+          <a:p>
+            <a:r>
+              <a:rPr>
+                <a:solidFill>
+                  <a:srgbClr val="FFFFFF"/>
+                </a:solidFill>
+                <a:latin typeface="Times New Roman"/>
+              </a:rPr>
+              <a:t>Keyword: Importance, Right to Education</a:t>
             </a:r>
           </a:p>
         </p:txBody>
@@ -3430,7 +3441,7 @@
                 </a:solidFill>
                 <a:latin typeface="Times New Roman"/>
               </a:rPr>
-              <a:t>Rehabilitation and Punishment under the Juvenile Justice Act</a:t>
+              <a:t>Challenges in Ensuring Right to Education </a:t>
             </a:r>
           </a:p>
         </p:txBody>
@@ -3457,7 +3468,7 @@
                 </a:solidFill>
                 <a:latin typeface="Times New Roman"/>
               </a:rPr>
-              <a:t>- Rehabilitation measures for juvenile offenders</a:t>
+              <a:t>Content: </a:t>
             </a:r>
           </a:p>
           <a:p>
@@ -3468,7 +3479,7 @@
                 </a:solidFill>
                 <a:latin typeface="Times New Roman"/>
               </a:rPr>
-              <a:t>- Counseling and guidance programs</a:t>
+              <a:t>- Barriers to accessing education </a:t>
             </a:r>
           </a:p>
           <a:p>
@@ -3479,7 +3490,7 @@
                 </a:solidFill>
                 <a:latin typeface="Times New Roman"/>
               </a:rPr>
-              <a:t>- Vocational training and skill development</a:t>
+              <a:t>- Discrimination and inequality in education </a:t>
             </a:r>
           </a:p>
           <a:p>
@@ -3490,7 +3501,7 @@
                 </a:solidFill>
                 <a:latin typeface="Times New Roman"/>
               </a:rPr>
-              <a:t>- Special homes and observation homes</a:t>
+              <a:t>- Lack of adequate infrastructure and resources </a:t>
             </a:r>
           </a:p>
           <a:p>
@@ -3501,7 +3512,7 @@
                 </a:solidFill>
                 <a:latin typeface="Times New Roman"/>
               </a:rPr>
-              <a:t>- Punitive measures and consequences for serious offenses</a:t>
+              <a:t>- Influence of socio-economic factors on education </a:t>
             </a:r>
           </a:p>
           <a:p>
@@ -3512,7 +3523,18 @@
                 </a:solidFill>
                 <a:latin typeface="Times New Roman"/>
               </a:rPr>
-              <a:t>Keyword: Rehabilitation and Punishment</a:t>
+              <a:t>- Efforts and initiatives to overcome these challenges </a:t>
+            </a:r>
+          </a:p>
+          <a:p>
+            <a:r>
+              <a:rPr>
+                <a:solidFill>
+                  <a:srgbClr val="FFFFFF"/>
+                </a:solidFill>
+                <a:latin typeface="Times New Roman"/>
+              </a:rPr>
+              <a:t>Keyword: Challenges, Education</a:t>
             </a:r>
           </a:p>
         </p:txBody>
